--- a/docs/Elevator_Pitch_final.pptx
+++ b/docs/Elevator_Pitch_final.pptx
@@ -8,8 +8,8 @@
     <p:sldId id="256" r:id="rId2"/>
     <p:sldId id="257" r:id="rId3"/>
     <p:sldId id="258" r:id="rId4"/>
-    <p:sldId id="259" r:id="rId5"/>
-    <p:sldId id="261" r:id="rId6"/>
+    <p:sldId id="261" r:id="rId5"/>
+    <p:sldId id="259" r:id="rId6"/>
     <p:sldId id="262" r:id="rId7"/>
   </p:sldIdLst>
   <p:sldSz cx="12192000" cy="6858000"/>
@@ -4616,6 +4616,169 @@
           <a:chExt cx="0" cy="0"/>
         </a:xfrm>
       </p:grpSpPr>
+      <p:sp>
+        <p:nvSpPr>
+          <p:cNvPr id="2" name="Title 1">
+            <a:extLst>
+              <a:ext uri="{FF2B5EF4-FFF2-40B4-BE49-F238E27FC236}">
+                <a16:creationId xmlns:a16="http://schemas.microsoft.com/office/drawing/2014/main" id="{67966684-A3C4-4CFE-B557-48FE1E9833DE}"/>
+              </a:ext>
+            </a:extLst>
+          </p:cNvPr>
+          <p:cNvSpPr>
+            <a:spLocks noGrp="1"/>
+          </p:cNvSpPr>
+          <p:nvPr>
+            <p:ph type="title"/>
+          </p:nvPr>
+        </p:nvSpPr>
+        <p:spPr>
+          <a:xfrm>
+            <a:off x="481013" y="3752849"/>
+            <a:ext cx="4812347" cy="2452687"/>
+          </a:xfrm>
+        </p:spPr>
+        <p:txBody>
+          <a:bodyPr anchor="ctr">
+            <a:normAutofit/>
+          </a:bodyPr>
+          <a:lstStyle/>
+          <a:p>
+            <a:r>
+              <a:rPr lang="en-US" sz="3600" dirty="0"/>
+              <a:t>Stock Ticker is Configurable Remotely via a Built-in Web Application</a:t>
+            </a:r>
+          </a:p>
+        </p:txBody>
+      </p:sp>
+      <p:pic>
+        <p:nvPicPr>
+          <p:cNvPr id="5" name="Content Placeholder 4">
+            <a:extLst>
+              <a:ext uri="{FF2B5EF4-FFF2-40B4-BE49-F238E27FC236}">
+                <a16:creationId xmlns:a16="http://schemas.microsoft.com/office/drawing/2014/main" id="{088AAEC9-172C-46ED-A9E6-108E38E0E65C}"/>
+              </a:ext>
+            </a:extLst>
+          </p:cNvPr>
+          <p:cNvPicPr>
+            <a:picLocks noChangeAspect="1"/>
+          </p:cNvPicPr>
+          <p:nvPr/>
+        </p:nvPicPr>
+        <p:blipFill rotWithShape="1">
+          <a:blip r:embed="rId2"/>
+          <a:srcRect t="12736" b="30641"/>
+          <a:stretch/>
+        </p:blipFill>
+        <p:spPr>
+          <a:xfrm>
+            <a:off x="20" y="10"/>
+            <a:ext cx="12191980" cy="3710603"/>
+          </a:xfrm>
+          <a:custGeom>
+            <a:avLst/>
+            <a:gdLst/>
+            <a:ahLst/>
+            <a:cxnLst/>
+            <a:rect l="l" t="t" r="r" b="b"/>
+            <a:pathLst>
+              <a:path w="12192000" h="3692092">
+                <a:moveTo>
+                  <a:pt x="0" y="0"/>
+                </a:moveTo>
+                <a:lnTo>
+                  <a:pt x="12192000" y="0"/>
+                </a:lnTo>
+                <a:lnTo>
+                  <a:pt x="12192000" y="3504824"/>
+                </a:lnTo>
+                <a:lnTo>
+                  <a:pt x="12024691" y="3517794"/>
+                </a:lnTo>
+                <a:cubicBezTo>
+                  <a:pt x="8077523" y="3783195"/>
+                  <a:pt x="4094678" y="3026959"/>
+                  <a:pt x="160485" y="3663863"/>
+                </a:cubicBezTo>
+                <a:lnTo>
+                  <a:pt x="0" y="3692092"/>
+                </a:lnTo>
+                <a:close/>
+              </a:path>
+            </a:pathLst>
+          </a:custGeom>
+        </p:spPr>
+      </p:pic>
+      <p:sp>
+        <p:nvSpPr>
+          <p:cNvPr id="9" name="Content Placeholder 8">
+            <a:extLst>
+              <a:ext uri="{FF2B5EF4-FFF2-40B4-BE49-F238E27FC236}">
+                <a16:creationId xmlns:a16="http://schemas.microsoft.com/office/drawing/2014/main" id="{F03C147A-92E9-4D2C-B323-FFA8FAD2715D}"/>
+              </a:ext>
+            </a:extLst>
+          </p:cNvPr>
+          <p:cNvSpPr>
+            <a:spLocks noGrp="1"/>
+          </p:cNvSpPr>
+          <p:nvPr>
+            <p:ph idx="1"/>
+          </p:nvPr>
+        </p:nvSpPr>
+        <p:spPr>
+          <a:xfrm>
+            <a:off x="4223982" y="3752850"/>
+            <a:ext cx="7485413" cy="2452687"/>
+          </a:xfrm>
+        </p:spPr>
+        <p:txBody>
+          <a:bodyPr anchor="ctr">
+            <a:normAutofit/>
+          </a:bodyPr>
+          <a:lstStyle/>
+          <a:p>
+            <a:endParaRPr lang="en-US" sz="1800"/>
+          </a:p>
+        </p:txBody>
+      </p:sp>
+    </p:spTree>
+    <p:extLst>
+      <p:ext uri="{BB962C8B-B14F-4D97-AF65-F5344CB8AC3E}">
+        <p14:creationId xmlns:p14="http://schemas.microsoft.com/office/powerpoint/2010/main" val="454577120"/>
+      </p:ext>
+    </p:extLst>
+  </p:cSld>
+  <p:clrMapOvr>
+    <a:masterClrMapping/>
+  </p:clrMapOvr>
+</p:sld>
+</file>
+
+<file path=ppt/slides/slide5.xml><?xml version="1.0" encoding="utf-8"?>
+<p:sld xmlns:a="http://schemas.openxmlformats.org/drawingml/2006/main" xmlns:r="http://schemas.openxmlformats.org/officeDocument/2006/relationships" xmlns:p="http://schemas.openxmlformats.org/presentationml/2006/main">
+  <p:cSld>
+    <p:bg>
+      <p:bgPr>
+        <a:solidFill>
+          <a:schemeClr val="bg1"/>
+        </a:solidFill>
+        <a:effectLst/>
+      </p:bgPr>
+    </p:bg>
+    <p:spTree>
+      <p:nvGrpSpPr>
+        <p:cNvPr id="1" name=""/>
+        <p:cNvGrpSpPr/>
+        <p:nvPr/>
+      </p:nvGrpSpPr>
+      <p:grpSpPr>
+        <a:xfrm>
+          <a:off x="0" y="0"/>
+          <a:ext cx="0" cy="0"/>
+          <a:chOff x="0" y="0"/>
+          <a:chExt cx="0" cy="0"/>
+        </a:xfrm>
+      </p:grpSpPr>
       <p:pic>
         <p:nvPicPr>
           <p:cNvPr id="9" name="Content Placeholder 8" descr="A picture containing text, clock, dark, set&#10;&#10;Description automatically generated">
@@ -4933,169 +5096,6 @@
 </p:sld>
 </file>
 
-<file path=ppt/slides/slide5.xml><?xml version="1.0" encoding="utf-8"?>
-<p:sld xmlns:a="http://schemas.openxmlformats.org/drawingml/2006/main" xmlns:r="http://schemas.openxmlformats.org/officeDocument/2006/relationships" xmlns:p="http://schemas.openxmlformats.org/presentationml/2006/main">
-  <p:cSld>
-    <p:bg>
-      <p:bgPr>
-        <a:solidFill>
-          <a:schemeClr val="bg1"/>
-        </a:solidFill>
-        <a:effectLst/>
-      </p:bgPr>
-    </p:bg>
-    <p:spTree>
-      <p:nvGrpSpPr>
-        <p:cNvPr id="1" name=""/>
-        <p:cNvGrpSpPr/>
-        <p:nvPr/>
-      </p:nvGrpSpPr>
-      <p:grpSpPr>
-        <a:xfrm>
-          <a:off x="0" y="0"/>
-          <a:ext cx="0" cy="0"/>
-          <a:chOff x="0" y="0"/>
-          <a:chExt cx="0" cy="0"/>
-        </a:xfrm>
-      </p:grpSpPr>
-      <p:sp>
-        <p:nvSpPr>
-          <p:cNvPr id="2" name="Title 1">
-            <a:extLst>
-              <a:ext uri="{FF2B5EF4-FFF2-40B4-BE49-F238E27FC236}">
-                <a16:creationId xmlns:a16="http://schemas.microsoft.com/office/drawing/2014/main" id="{67966684-A3C4-4CFE-B557-48FE1E9833DE}"/>
-              </a:ext>
-            </a:extLst>
-          </p:cNvPr>
-          <p:cNvSpPr>
-            <a:spLocks noGrp="1"/>
-          </p:cNvSpPr>
-          <p:nvPr>
-            <p:ph type="title"/>
-          </p:nvPr>
-        </p:nvSpPr>
-        <p:spPr>
-          <a:xfrm>
-            <a:off x="481013" y="3752849"/>
-            <a:ext cx="4812347" cy="2452687"/>
-          </a:xfrm>
-        </p:spPr>
-        <p:txBody>
-          <a:bodyPr anchor="ctr">
-            <a:normAutofit/>
-          </a:bodyPr>
-          <a:lstStyle/>
-          <a:p>
-            <a:r>
-              <a:rPr lang="en-US" sz="3600" dirty="0"/>
-              <a:t>Stock Ticker is Configurable Remotely via a Built-in Web Application</a:t>
-            </a:r>
-          </a:p>
-        </p:txBody>
-      </p:sp>
-      <p:pic>
-        <p:nvPicPr>
-          <p:cNvPr id="5" name="Content Placeholder 4">
-            <a:extLst>
-              <a:ext uri="{FF2B5EF4-FFF2-40B4-BE49-F238E27FC236}">
-                <a16:creationId xmlns:a16="http://schemas.microsoft.com/office/drawing/2014/main" id="{088AAEC9-172C-46ED-A9E6-108E38E0E65C}"/>
-              </a:ext>
-            </a:extLst>
-          </p:cNvPr>
-          <p:cNvPicPr>
-            <a:picLocks noChangeAspect="1"/>
-          </p:cNvPicPr>
-          <p:nvPr/>
-        </p:nvPicPr>
-        <p:blipFill rotWithShape="1">
-          <a:blip r:embed="rId2"/>
-          <a:srcRect t="12736" b="30641"/>
-          <a:stretch/>
-        </p:blipFill>
-        <p:spPr>
-          <a:xfrm>
-            <a:off x="20" y="10"/>
-            <a:ext cx="12191980" cy="3710603"/>
-          </a:xfrm>
-          <a:custGeom>
-            <a:avLst/>
-            <a:gdLst/>
-            <a:ahLst/>
-            <a:cxnLst/>
-            <a:rect l="l" t="t" r="r" b="b"/>
-            <a:pathLst>
-              <a:path w="12192000" h="3692092">
-                <a:moveTo>
-                  <a:pt x="0" y="0"/>
-                </a:moveTo>
-                <a:lnTo>
-                  <a:pt x="12192000" y="0"/>
-                </a:lnTo>
-                <a:lnTo>
-                  <a:pt x="12192000" y="3504824"/>
-                </a:lnTo>
-                <a:lnTo>
-                  <a:pt x="12024691" y="3517794"/>
-                </a:lnTo>
-                <a:cubicBezTo>
-                  <a:pt x="8077523" y="3783195"/>
-                  <a:pt x="4094678" y="3026959"/>
-                  <a:pt x="160485" y="3663863"/>
-                </a:cubicBezTo>
-                <a:lnTo>
-                  <a:pt x="0" y="3692092"/>
-                </a:lnTo>
-                <a:close/>
-              </a:path>
-            </a:pathLst>
-          </a:custGeom>
-        </p:spPr>
-      </p:pic>
-      <p:sp>
-        <p:nvSpPr>
-          <p:cNvPr id="9" name="Content Placeholder 8">
-            <a:extLst>
-              <a:ext uri="{FF2B5EF4-FFF2-40B4-BE49-F238E27FC236}">
-                <a16:creationId xmlns:a16="http://schemas.microsoft.com/office/drawing/2014/main" id="{F03C147A-92E9-4D2C-B323-FFA8FAD2715D}"/>
-              </a:ext>
-            </a:extLst>
-          </p:cNvPr>
-          <p:cNvSpPr>
-            <a:spLocks noGrp="1"/>
-          </p:cNvSpPr>
-          <p:nvPr>
-            <p:ph idx="1"/>
-          </p:nvPr>
-        </p:nvSpPr>
-        <p:spPr>
-          <a:xfrm>
-            <a:off x="4223982" y="3752850"/>
-            <a:ext cx="7485413" cy="2452687"/>
-          </a:xfrm>
-        </p:spPr>
-        <p:txBody>
-          <a:bodyPr anchor="ctr">
-            <a:normAutofit/>
-          </a:bodyPr>
-          <a:lstStyle/>
-          <a:p>
-            <a:endParaRPr lang="en-US" sz="1800"/>
-          </a:p>
-        </p:txBody>
-      </p:sp>
-    </p:spTree>
-    <p:extLst>
-      <p:ext uri="{BB962C8B-B14F-4D97-AF65-F5344CB8AC3E}">
-        <p14:creationId xmlns:p14="http://schemas.microsoft.com/office/powerpoint/2010/main" val="454577120"/>
-      </p:ext>
-    </p:extLst>
-  </p:cSld>
-  <p:clrMapOvr>
-    <a:masterClrMapping/>
-  </p:clrMapOvr>
-</p:sld>
-</file>
-
 <file path=ppt/slides/slide6.xml><?xml version="1.0" encoding="utf-8"?>
 <p:sld xmlns:a="http://schemas.openxmlformats.org/drawingml/2006/main" xmlns:r="http://schemas.openxmlformats.org/officeDocument/2006/relationships" xmlns:p="http://schemas.openxmlformats.org/presentationml/2006/main">
   <p:cSld>
@@ -5160,7 +5160,7 @@
         </p:blipFill>
         <p:spPr>
           <a:xfrm>
-            <a:off x="0" y="1005669"/>
+            <a:off x="0" y="956930"/>
             <a:ext cx="12192000" cy="5901070"/>
           </a:xfrm>
           <a:prstGeom prst="rect">
@@ -5190,9 +5190,10 @@
           <a:lstStyle/>
           <a:p>
             <a:r>
-              <a:rPr lang="en-US" dirty="0"/>
+              <a:rPr lang="en-US"/>
               <a:t>Gantt Chart</a:t>
             </a:r>
+            <a:endParaRPr lang="en-US" dirty="0"/>
           </a:p>
         </p:txBody>
       </p:sp>
